--- a/dia5/lab5_hmc.pptx
+++ b/dia5/lab5_hmc.pptx
@@ -241,7 +241,7 @@
           <a:p>
             <a:fld id="{9EC8F33C-A7AA-43A7-BCA9-F081EA0B4664}" type="datetimeFigureOut">
               <a:rPr lang="en-US" smtClean="0"/>
-              <a:t>1/18/2019</a:t>
+              <a:t>1/21/2019</a:t>
             </a:fld>
             <a:endParaRPr lang="en-US"/>
           </a:p>
@@ -590,7 +590,7 @@
           </a:ln>
           <a:extLst>
             <a:ext uri="{909E8E84-426E-40dd-AFC4-6F175D3DCCD1}">
-              <a14:hiddenFill xmlns="" xmlns:a14="http://schemas.microsoft.com/office/drawing/2010/main">
+              <a14:hiddenFill xmlns:a14="http://schemas.microsoft.com/office/drawing/2010/main" xmlns="">
                 <a:solidFill>
                   <a:srgbClr val="FFFFFF"/>
                 </a:solidFill>
@@ -633,7 +633,7 @@
           </a:ln>
           <a:extLst>
             <a:ext uri="{909E8E84-426E-40dd-AFC4-6F175D3DCCD1}">
-              <a14:hiddenFill xmlns="" xmlns:a14="http://schemas.microsoft.com/office/drawing/2010/main">
+              <a14:hiddenFill xmlns:a14="http://schemas.microsoft.com/office/drawing/2010/main" xmlns="">
                 <a:noFill/>
               </a14:hiddenFill>
             </a:ext>
@@ -732,7 +732,7 @@
           <a:p>
             <a:fld id="{9A356AEA-056F-417E-9B38-4BA8743FE6C4}" type="datetime1">
               <a:rPr lang="en-US" smtClean="0"/>
-              <a:t>1/18/2019</a:t>
+              <a:t>1/21/2019</a:t>
             </a:fld>
             <a:endParaRPr lang="en-US"/>
           </a:p>
@@ -919,7 +919,7 @@
           <a:p>
             <a:fld id="{09867F7C-1948-4907-9EBC-DD38682B5188}" type="datetime1">
               <a:rPr lang="en-US" smtClean="0"/>
-              <a:t>1/18/2019</a:t>
+              <a:t>1/21/2019</a:t>
             </a:fld>
             <a:endParaRPr lang="en-US"/>
           </a:p>
@@ -1115,7 +1115,7 @@
           <a:p>
             <a:fld id="{A5996870-3492-4879-A20C-50CF7F25E309}" type="datetime1">
               <a:rPr lang="en-US" smtClean="0"/>
-              <a:t>1/18/2019</a:t>
+              <a:t>1/21/2019</a:t>
             </a:fld>
             <a:endParaRPr lang="en-US"/>
           </a:p>
@@ -1367,7 +1367,7 @@
           <a:p>
             <a:fld id="{3339509F-2835-4D20-8448-C5CCD453FC4A}" type="datetime1">
               <a:rPr lang="en-US" smtClean="0"/>
-              <a:t>1/18/2019</a:t>
+              <a:t>1/21/2019</a:t>
             </a:fld>
             <a:endParaRPr lang="en-US"/>
           </a:p>
@@ -1591,7 +1591,7 @@
           <a:p>
             <a:fld id="{7A6EDDDE-DBE4-4114-B865-EC3A2920782E}" type="datetime1">
               <a:rPr lang="en-US" smtClean="0"/>
-              <a:t>1/18/2019</a:t>
+              <a:t>1/21/2019</a:t>
             </a:fld>
             <a:endParaRPr lang="en-US"/>
           </a:p>
@@ -1899,7 +1899,7 @@
           <a:p>
             <a:fld id="{8DA96907-43AE-4B1E-B5FF-6853ADDA5697}" type="datetime1">
               <a:rPr lang="en-US" smtClean="0"/>
-              <a:t>1/18/2019</a:t>
+              <a:t>1/21/2019</a:t>
             </a:fld>
             <a:endParaRPr lang="en-US"/>
           </a:p>
@@ -2067,7 +2067,7 @@
           <a:p>
             <a:fld id="{2E65DF97-DE0F-4515-8F8D-0E1C627BC4E9}" type="datetime1">
               <a:rPr lang="en-US" smtClean="0"/>
-              <a:t>1/18/2019</a:t>
+              <a:t>1/21/2019</a:t>
             </a:fld>
             <a:endParaRPr lang="en-US"/>
           </a:p>
@@ -2379,7 +2379,7 @@
           <a:p>
             <a:fld id="{23B9FD00-80D5-4EA7-B536-8F4F2C3959C9}" type="datetime1">
               <a:rPr lang="en-US" smtClean="0"/>
-              <a:t>1/18/2019</a:t>
+              <a:t>1/21/2019</a:t>
             </a:fld>
             <a:endParaRPr lang="en-US"/>
           </a:p>
@@ -2691,7 +2691,7 @@
           <a:p>
             <a:fld id="{DAC77084-4DB4-4A23-9870-BF49183ACB4C}" type="datetime1">
               <a:rPr lang="en-US" smtClean="0"/>
-              <a:t>1/18/2019</a:t>
+              <a:t>1/21/2019</a:t>
             </a:fld>
             <a:endParaRPr lang="en-US"/>
           </a:p>
@@ -2877,7 +2877,7 @@
           <a:p>
             <a:fld id="{6E487ECE-0D8C-4AFB-BD35-997F06E0971C}" type="datetime1">
               <a:rPr lang="en-US" smtClean="0"/>
-              <a:t>1/18/2019</a:t>
+              <a:t>1/21/2019</a:t>
             </a:fld>
             <a:endParaRPr lang="en-US"/>
           </a:p>
@@ -3086,7 +3086,7 @@
           <a:p>
             <a:fld id="{D4F6DC8D-78A1-49CC-B033-F77D87B04958}" type="datetime1">
               <a:rPr lang="en-US" smtClean="0"/>
-              <a:t>1/18/2019</a:t>
+              <a:t>1/21/2019</a:t>
             </a:fld>
             <a:endParaRPr lang="en-US"/>
           </a:p>
@@ -3389,7 +3389,7 @@
           <a:p>
             <a:fld id="{3BCF4A7C-A413-48DA-9211-5240CAEE1DD4}" type="datetime1">
               <a:rPr lang="en-US" smtClean="0"/>
-              <a:t>1/18/2019</a:t>
+              <a:t>1/21/2019</a:t>
             </a:fld>
             <a:endParaRPr lang="en-US"/>
           </a:p>
@@ -3831,7 +3831,7 @@
           <a:p>
             <a:fld id="{AAE887C4-8D00-4515-BD6B-6D6B646F02F7}" type="datetime1">
               <a:rPr lang="en-US" smtClean="0"/>
-              <a:t>1/18/2019</a:t>
+              <a:t>1/21/2019</a:t>
             </a:fld>
             <a:endParaRPr lang="en-US"/>
           </a:p>
@@ -3966,7 +3966,7 @@
           <a:p>
             <a:fld id="{10C13C5A-776A-4D2B-A91E-2ACB7D90E7CC}" type="datetime1">
               <a:rPr lang="en-US" smtClean="0"/>
-              <a:t>1/18/2019</a:t>
+              <a:t>1/21/2019</a:t>
             </a:fld>
             <a:endParaRPr lang="en-US"/>
           </a:p>
@@ -4079,7 +4079,7 @@
           <a:p>
             <a:fld id="{00A5D59F-6FC3-492C-BAE3-F50C9D1FBA31}" type="datetime1">
               <a:rPr lang="en-US" smtClean="0"/>
-              <a:t>1/18/2019</a:t>
+              <a:t>1/21/2019</a:t>
             </a:fld>
             <a:endParaRPr lang="en-US"/>
           </a:p>
@@ -4372,7 +4372,7 @@
           <a:p>
             <a:fld id="{CD78B45F-E474-4F2F-801A-58FC9FE22655}" type="datetime1">
               <a:rPr lang="en-US" smtClean="0"/>
-              <a:t>1/18/2019</a:t>
+              <a:t>1/21/2019</a:t>
             </a:fld>
             <a:endParaRPr lang="en-US"/>
           </a:p>
@@ -4646,7 +4646,7 @@
           <a:p>
             <a:fld id="{FDF35450-A835-4587-8F84-782057674F92}" type="datetime1">
               <a:rPr lang="en-US" smtClean="0"/>
-              <a:t>1/18/2019</a:t>
+              <a:t>1/21/2019</a:t>
             </a:fld>
             <a:endParaRPr lang="en-US"/>
           </a:p>
@@ -4768,17 +4768,17 @@
           </a:ln>
           <a:extLst>
             <a:ext uri="{FAA26D3D-D897-4be2-8F04-BA451C77F1D7}">
-              <ma14:placeholderFlag xmlns="" xmlns:ma14="http://schemas.microsoft.com/office/mac/drawingml/2011/main" val="1"/>
+              <ma14:placeholderFlag xmlns:ma14="http://schemas.microsoft.com/office/mac/drawingml/2011/main" xmlns="" val="1"/>
             </a:ext>
             <a:ext uri="{909E8E84-426E-40dd-AFC4-6F175D3DCCD1}">
-              <a14:hiddenFill xmlns="" xmlns:a14="http://schemas.microsoft.com/office/drawing/2010/main">
+              <a14:hiddenFill xmlns:a14="http://schemas.microsoft.com/office/drawing/2010/main" xmlns="">
                 <a:solidFill>
                   <a:srgbClr val="FFFFFF"/>
                 </a:solidFill>
               </a14:hiddenFill>
             </a:ext>
             <a:ext uri="{91240B29-F687-4f45-9708-019B960494DF}">
-              <a14:hiddenLine xmlns="" xmlns:a14="http://schemas.microsoft.com/office/drawing/2010/main" w="9525">
+              <a14:hiddenLine xmlns:a14="http://schemas.microsoft.com/office/drawing/2010/main" xmlns="" w="9525">
                 <a:solidFill>
                   <a:srgbClr val="000000"/>
                 </a:solidFill>
@@ -4830,17 +4830,17 @@
           </a:ln>
           <a:extLst>
             <a:ext uri="{FAA26D3D-D897-4be2-8F04-BA451C77F1D7}">
-              <ma14:placeholderFlag xmlns="" xmlns:ma14="http://schemas.microsoft.com/office/mac/drawingml/2011/main" val="1"/>
+              <ma14:placeholderFlag xmlns:ma14="http://schemas.microsoft.com/office/mac/drawingml/2011/main" xmlns="" val="1"/>
             </a:ext>
             <a:ext uri="{909E8E84-426E-40dd-AFC4-6F175D3DCCD1}">
-              <a14:hiddenFill xmlns="" xmlns:a14="http://schemas.microsoft.com/office/drawing/2010/main">
+              <a14:hiddenFill xmlns:a14="http://schemas.microsoft.com/office/drawing/2010/main" xmlns="">
                 <a:solidFill>
                   <a:srgbClr val="FFFFFF"/>
                 </a:solidFill>
               </a14:hiddenFill>
             </a:ext>
             <a:ext uri="{91240B29-F687-4f45-9708-019B960494DF}">
-              <a14:hiddenLine xmlns="" xmlns:a14="http://schemas.microsoft.com/office/drawing/2010/main" w="9525">
+              <a14:hiddenLine xmlns:a14="http://schemas.microsoft.com/office/drawing/2010/main" xmlns="" w="9525">
                 <a:solidFill>
                   <a:srgbClr val="000000"/>
                 </a:solidFill>
@@ -4940,7 +4940,7 @@
           <a:p>
             <a:fld id="{F6803E09-2A09-4EEA-8E99-292225B5EDFC}" type="datetime1">
               <a:rPr lang="en-US" smtClean="0"/>
-              <a:t>1/18/2019</a:t>
+              <a:t>1/21/2019</a:t>
             </a:fld>
             <a:endParaRPr lang="en-US"/>
           </a:p>
@@ -5108,7 +5108,7 @@
           </a:ln>
           <a:extLst>
             <a:ext uri="{909E8E84-426E-40dd-AFC4-6F175D3DCCD1}">
-              <a14:hiddenFill xmlns="" xmlns:a14="http://schemas.microsoft.com/office/drawing/2010/main">
+              <a14:hiddenFill xmlns:a14="http://schemas.microsoft.com/office/drawing/2010/main" xmlns="">
                 <a:solidFill>
                   <a:srgbClr val="FFFFFF"/>
                 </a:solidFill>
@@ -5151,7 +5151,7 @@
           </a:ln>
           <a:extLst>
             <a:ext uri="{909E8E84-426E-40dd-AFC4-6F175D3DCCD1}">
-              <a14:hiddenFill xmlns="" xmlns:a14="http://schemas.microsoft.com/office/drawing/2010/main">
+              <a14:hiddenFill xmlns:a14="http://schemas.microsoft.com/office/drawing/2010/main" xmlns="">
                 <a:noFill/>
               </a14:hiddenFill>
             </a:ext>
@@ -5636,7 +5636,7 @@
           <p:cNvPr id="2" name="Title 1">
             <a:extLst>
               <a:ext uri="{FF2B5EF4-FFF2-40B4-BE49-F238E27FC236}">
-                <a16:creationId xmlns="" xmlns:a16="http://schemas.microsoft.com/office/drawing/2014/main" id="{4819A39B-28BB-4873-9914-8FEE18891DD4}"/>
+                <a16:creationId xmlns:a16="http://schemas.microsoft.com/office/drawing/2014/main" xmlns="" id="{4819A39B-28BB-4873-9914-8FEE18891DD4}"/>
               </a:ext>
             </a:extLst>
           </p:cNvPr>
@@ -5672,7 +5672,7 @@
           <p:cNvPr id="5" name="Subtitle 2">
             <a:extLst>
               <a:ext uri="{FF2B5EF4-FFF2-40B4-BE49-F238E27FC236}">
-                <a16:creationId xmlns="" xmlns:a16="http://schemas.microsoft.com/office/drawing/2014/main" id="{2BECD79D-0B3A-44C2-A155-03EC2A6A5D3B}"/>
+                <a16:creationId xmlns:a16="http://schemas.microsoft.com/office/drawing/2014/main" xmlns="" id="{2BECD79D-0B3A-44C2-A155-03EC2A6A5D3B}"/>
               </a:ext>
             </a:extLst>
           </p:cNvPr>
@@ -5695,17 +5695,17 @@
           </a:ln>
           <a:extLst>
             <a:ext uri="{FAA26D3D-D897-4be2-8F04-BA451C77F1D7}">
-              <ma14:placeholderFlag xmlns:ma14="http://schemas.microsoft.com/office/mac/drawingml/2011/main" xmlns="" val="1"/>
+              <ma14:placeholderFlag xmlns="" xmlns:ma14="http://schemas.microsoft.com/office/mac/drawingml/2011/main" val="1"/>
             </a:ext>
             <a:ext uri="{909E8E84-426E-40dd-AFC4-6F175D3DCCD1}">
-              <a14:hiddenFill xmlns:a14="http://schemas.microsoft.com/office/drawing/2010/main" xmlns="">
+              <a14:hiddenFill xmlns="" xmlns:a14="http://schemas.microsoft.com/office/drawing/2010/main">
                 <a:solidFill>
                   <a:srgbClr val="FFFFFF"/>
                 </a:solidFill>
               </a14:hiddenFill>
             </a:ext>
             <a:ext uri="{91240B29-F687-4f45-9708-019B960494DF}">
-              <a14:hiddenLine xmlns:a14="http://schemas.microsoft.com/office/drawing/2010/main" xmlns="" w="9525">
+              <a14:hiddenLine xmlns="" xmlns:a14="http://schemas.microsoft.com/office/drawing/2010/main" w="9525">
                 <a:solidFill>
                   <a:srgbClr val="000000"/>
                 </a:solidFill>
@@ -5955,7 +5955,7 @@
             </a:r>
             <a:r>
               <a:rPr lang="en-US" kern="0" dirty="0" smtClean="0"/>
-              <a:t>2018</a:t>
+              <a:t>2019</a:t>
             </a:r>
             <a:endParaRPr lang="en-US" kern="0" dirty="0"/>
           </a:p>
@@ -6516,7 +6516,7 @@
           <a:graphicData uri="http://schemas.openxmlformats.org/presentationml/2006/ole">
             <mc:AlternateContent xmlns:mc="http://schemas.openxmlformats.org/markup-compatibility/2006">
               <mc:Choice xmlns:v="urn:schemas-microsoft-com:vml" Requires="v">
-                <p:oleObj spid="_x0000_s7189" name="Equation" r:id="rId3" imgW="2273040" imgH="431640" progId="Equation.DSMT4">
+                <p:oleObj spid="_x0000_s7191" name="Equation" r:id="rId3" imgW="2273040" imgH="431640" progId="Equation.DSMT4">
                   <p:embed/>
                 </p:oleObj>
               </mc:Choice>
@@ -7889,7 +7889,7 @@
           <a:graphicData uri="http://schemas.openxmlformats.org/presentationml/2006/ole">
             <mc:AlternateContent xmlns:mc="http://schemas.openxmlformats.org/markup-compatibility/2006">
               <mc:Choice xmlns:v="urn:schemas-microsoft-com:vml" Requires="v">
-                <p:oleObj spid="_x0000_s8213" name="Equation" r:id="rId3" imgW="2730240" imgH="241200" progId="Equation.DSMT4">
+                <p:oleObj spid="_x0000_s8215" name="Equation" r:id="rId3" imgW="2730240" imgH="241200" progId="Equation.DSMT4">
                   <p:embed/>
                 </p:oleObj>
               </mc:Choice>
@@ -9649,17 +9649,17 @@
           </a:ln>
           <a:extLst>
             <a:ext uri="{FAA26D3D-D897-4be2-8F04-BA451C77F1D7}">
-              <ma14:placeholderFlag xmlns="" xmlns:ma14="http://schemas.microsoft.com/office/mac/drawingml/2011/main" val="1"/>
+              <ma14:placeholderFlag xmlns:ma14="http://schemas.microsoft.com/office/mac/drawingml/2011/main" xmlns="" val="1"/>
             </a:ext>
             <a:ext uri="{909E8E84-426E-40dd-AFC4-6F175D3DCCD1}">
-              <a14:hiddenFill xmlns="" xmlns:a14="http://schemas.microsoft.com/office/drawing/2010/main">
+              <a14:hiddenFill xmlns:a14="http://schemas.microsoft.com/office/drawing/2010/main" xmlns="">
                 <a:solidFill>
                   <a:srgbClr val="FFFFFF"/>
                 </a:solidFill>
               </a14:hiddenFill>
             </a:ext>
             <a:ext uri="{91240B29-F687-4f45-9708-019B960494DF}">
-              <a14:hiddenLine xmlns="" xmlns:a14="http://schemas.microsoft.com/office/drawing/2010/main" w="9525">
+              <a14:hiddenLine xmlns:a14="http://schemas.microsoft.com/office/drawing/2010/main" xmlns="" w="9525">
                 <a:solidFill>
                   <a:srgbClr val="000000"/>
                 </a:solidFill>
@@ -11520,17 +11520,17 @@
           </a:ln>
           <a:extLst>
             <a:ext uri="{FAA26D3D-D897-4be2-8F04-BA451C77F1D7}">
-              <ma14:placeholderFlag xmlns="" xmlns:ma14="http://schemas.microsoft.com/office/mac/drawingml/2011/main" val="1"/>
+              <ma14:placeholderFlag xmlns:ma14="http://schemas.microsoft.com/office/mac/drawingml/2011/main" xmlns="" val="1"/>
             </a:ext>
             <a:ext uri="{909E8E84-426E-40dd-AFC4-6F175D3DCCD1}">
-              <a14:hiddenFill xmlns="" xmlns:a14="http://schemas.microsoft.com/office/drawing/2010/main">
+              <a14:hiddenFill xmlns:a14="http://schemas.microsoft.com/office/drawing/2010/main" xmlns="">
                 <a:solidFill>
                   <a:srgbClr val="FFFFFF"/>
                 </a:solidFill>
               </a14:hiddenFill>
             </a:ext>
             <a:ext uri="{91240B29-F687-4f45-9708-019B960494DF}">
-              <a14:hiddenLine xmlns="" xmlns:a14="http://schemas.microsoft.com/office/drawing/2010/main" w="9525">
+              <a14:hiddenLine xmlns:a14="http://schemas.microsoft.com/office/drawing/2010/main" xmlns="" w="9525">
                 <a:solidFill>
                   <a:srgbClr val="000000"/>
                 </a:solidFill>
@@ -12544,7 +12544,7 @@
           <a:graphicData uri="http://schemas.openxmlformats.org/presentationml/2006/ole">
             <mc:AlternateContent xmlns:mc="http://schemas.openxmlformats.org/markup-compatibility/2006">
               <mc:Choice xmlns:v="urn:schemas-microsoft-com:vml" Requires="v">
-                <p:oleObj spid="_x0000_s4117" name="Equation" r:id="rId4" imgW="2311200" imgH="685800" progId="Equation.DSMT4">
+                <p:oleObj spid="_x0000_s4119" name="Equation" r:id="rId4" imgW="2311200" imgH="685800" progId="Equation.DSMT4">
                   <p:embed/>
                 </p:oleObj>
               </mc:Choice>
@@ -13213,7 +13213,7 @@
           <a:graphicData uri="http://schemas.openxmlformats.org/presentationml/2006/ole">
             <mc:AlternateContent xmlns:mc="http://schemas.openxmlformats.org/markup-compatibility/2006">
               <mc:Choice xmlns:v="urn:schemas-microsoft-com:vml" Requires="v">
-                <p:oleObj spid="_x0000_s5141" name="Equation" r:id="rId4" imgW="2311200" imgH="685800" progId="Equation.DSMT4">
+                <p:oleObj spid="_x0000_s5143" name="Equation" r:id="rId4" imgW="2311200" imgH="685800" progId="Equation.DSMT4">
                   <p:embed/>
                 </p:oleObj>
               </mc:Choice>
@@ -13814,7 +13814,7 @@
           <a:graphicData uri="http://schemas.openxmlformats.org/presentationml/2006/ole">
             <mc:AlternateContent xmlns:mc="http://schemas.openxmlformats.org/markup-compatibility/2006">
               <mc:Choice xmlns:v="urn:schemas-microsoft-com:vml" Requires="v">
-                <p:oleObj spid="_x0000_s6165" name="Equation" r:id="rId4" imgW="2311200" imgH="685800" progId="Equation.DSMT4">
+                <p:oleObj spid="_x0000_s6167" name="Equation" r:id="rId4" imgW="2311200" imgH="685800" progId="Equation.DSMT4">
                   <p:embed/>
                 </p:oleObj>
               </mc:Choice>
